--- a/Windows/TCP套接字编程demo.pptx
+++ b/Windows/TCP套接字编程demo.pptx
@@ -218,7 +218,7 @@
           <a:p>
             <a:fld id="{AB0EDC11-0576-4225-BB0B-E66BB459E38D}" type="datetimeFigureOut">
               <a:rPr lang="zh-CN" altLang="en-US" smtClean="0"/>
-              <a:t>2018/5/25</a:t>
+              <a:t>2018/5/26</a:t>
             </a:fld>
             <a:endParaRPr lang="zh-CN" altLang="en-US"/>
           </a:p>
@@ -5451,7 +5451,7 @@
           <a:p>
             <a:fld id="{60913FD5-70A1-4B3A-9939-813C6CFEF295}" type="datetimeFigureOut">
               <a:rPr lang="zh-CN" altLang="en-US" smtClean="0"/>
-              <a:t>2018/5/25</a:t>
+              <a:t>2018/5/26</a:t>
             </a:fld>
             <a:endParaRPr lang="zh-CN" altLang="en-US"/>
           </a:p>
@@ -7770,10 +7770,9 @@
               <a:t>socket</a:t>
             </a:r>
             <a:r>
-              <a:rPr lang="zh-CN" altLang="en-US" smtClean="0"/>
+              <a:rPr lang="zh-CN" altLang="en-US" dirty="0" smtClean="0"/>
               <a:t>编程演示：文件传输</a:t>
             </a:r>
-            <a:endParaRPr lang="zh-CN" altLang="en-US" dirty="0" smtClean="0"/>
           </a:p>
         </p:txBody>
       </p:sp>
@@ -8039,21 +8038,14 @@
               <a:buAutoNum type="arabicPeriod"/>
             </a:pPr>
             <a:r>
-              <a:rPr lang="zh-CN" altLang="en-US" sz="2000" dirty="0"/>
+              <a:rPr lang="zh-CN" altLang="en-US" sz="2000" dirty="0" smtClean="0"/>
               <a:t>创建</a:t>
             </a:r>
             <a:r>
-              <a:rPr lang="en-US" altLang="zh-CN" sz="2000" dirty="0"/>
-              <a:t>UDP</a:t>
-            </a:r>
-            <a:r>
-              <a:rPr lang="zh-CN" altLang="en-US" sz="2000" dirty="0"/>
-              <a:t> </a:t>
-            </a:r>
-            <a:r>
-              <a:rPr lang="en-US" altLang="zh-CN" sz="2000" dirty="0"/>
-              <a:t>socket</a:t>
-            </a:r>
+              <a:rPr lang="en-US" altLang="zh-CN" sz="2000" dirty="0" smtClean="0"/>
+              <a:t>TCP socket</a:t>
+            </a:r>
+            <a:endParaRPr lang="en-US" altLang="zh-CN" sz="2000" dirty="0"/>
           </a:p>
           <a:p>
             <a:pPr marL="514350" indent="-514350">
@@ -8491,21 +8483,14 @@
               <a:buAutoNum type="arabicPeriod"/>
             </a:pPr>
             <a:r>
-              <a:rPr lang="zh-CN" altLang="en-US" dirty="0"/>
+              <a:rPr lang="zh-CN" altLang="en-US" dirty="0" smtClean="0"/>
               <a:t>创建</a:t>
             </a:r>
             <a:r>
-              <a:rPr lang="en-US" altLang="zh-CN" dirty="0"/>
-              <a:t>UDP</a:t>
-            </a:r>
-            <a:r>
-              <a:rPr lang="zh-CN" altLang="en-US" dirty="0"/>
-              <a:t> </a:t>
-            </a:r>
-            <a:r>
-              <a:rPr lang="en-US" altLang="zh-CN" dirty="0"/>
-              <a:t>socket</a:t>
-            </a:r>
+              <a:rPr lang="en-US" altLang="zh-CN" dirty="0" smtClean="0"/>
+              <a:t>TCP socket</a:t>
+            </a:r>
+            <a:endParaRPr lang="en-US" altLang="zh-CN" dirty="0"/>
           </a:p>
           <a:p>
             <a:pPr marL="514350" indent="-514350">
